--- a/Briefing_TSAF_Arbenz_Wenger.pptx
+++ b/Briefing_TSAF_Arbenz_Wenger.pptx
@@ -287,7 +287,7 @@
           <a:p>
             <a:fld id="{B5FF6444-F67B-4A35-AC89-B25B996DE342}" type="datetimeFigureOut">
               <a:rPr lang="de-CH" smtClean="0"/>
-              <a:t>21.05.21</a:t>
+              <a:t>24.05.21</a:t>
             </a:fld>
             <a:endParaRPr lang="de-CH"/>
           </a:p>
@@ -515,7 +515,7 @@
           <a:p>
             <a:fld id="{B5FF6444-F67B-4A35-AC89-B25B996DE342}" type="datetimeFigureOut">
               <a:rPr lang="de-CH" smtClean="0"/>
-              <a:t>21.05.21</a:t>
+              <a:t>24.05.21</a:t>
             </a:fld>
             <a:endParaRPr lang="de-CH"/>
           </a:p>
@@ -695,7 +695,7 @@
           <a:p>
             <a:fld id="{B5FF6444-F67B-4A35-AC89-B25B996DE342}" type="datetimeFigureOut">
               <a:rPr lang="de-CH" smtClean="0"/>
-              <a:t>21.05.21</a:t>
+              <a:t>24.05.21</a:t>
             </a:fld>
             <a:endParaRPr lang="de-CH"/>
           </a:p>
@@ -865,7 +865,7 @@
           <a:p>
             <a:fld id="{B5FF6444-F67B-4A35-AC89-B25B996DE342}" type="datetimeFigureOut">
               <a:rPr lang="de-CH" smtClean="0"/>
-              <a:t>21.05.21</a:t>
+              <a:t>24.05.21</a:t>
             </a:fld>
             <a:endParaRPr lang="de-CH"/>
           </a:p>
@@ -1119,7 +1119,7 @@
           <a:p>
             <a:fld id="{B5FF6444-F67B-4A35-AC89-B25B996DE342}" type="datetimeFigureOut">
               <a:rPr lang="de-CH" smtClean="0"/>
-              <a:t>21.05.21</a:t>
+              <a:t>24.05.21</a:t>
             </a:fld>
             <a:endParaRPr lang="de-CH"/>
           </a:p>
@@ -1445,7 +1445,7 @@
           <a:p>
             <a:fld id="{B5FF6444-F67B-4A35-AC89-B25B996DE342}" type="datetimeFigureOut">
               <a:rPr lang="de-CH" smtClean="0"/>
-              <a:t>21.05.21</a:t>
+              <a:t>24.05.21</a:t>
             </a:fld>
             <a:endParaRPr lang="de-CH"/>
           </a:p>
@@ -1896,7 +1896,7 @@
           <a:p>
             <a:fld id="{B5FF6444-F67B-4A35-AC89-B25B996DE342}" type="datetimeFigureOut">
               <a:rPr lang="de-CH" smtClean="0"/>
-              <a:t>21.05.21</a:t>
+              <a:t>24.05.21</a:t>
             </a:fld>
             <a:endParaRPr lang="de-CH"/>
           </a:p>
@@ -2014,7 +2014,7 @@
           <a:p>
             <a:fld id="{B5FF6444-F67B-4A35-AC89-B25B996DE342}" type="datetimeFigureOut">
               <a:rPr lang="de-CH" smtClean="0"/>
-              <a:t>21.05.21</a:t>
+              <a:t>24.05.21</a:t>
             </a:fld>
             <a:endParaRPr lang="de-CH"/>
           </a:p>
@@ -2109,7 +2109,7 @@
           <a:p>
             <a:fld id="{B5FF6444-F67B-4A35-AC89-B25B996DE342}" type="datetimeFigureOut">
               <a:rPr lang="de-CH" smtClean="0"/>
-              <a:t>21.05.21</a:t>
+              <a:t>24.05.21</a:t>
             </a:fld>
             <a:endParaRPr lang="de-CH"/>
           </a:p>
@@ -2396,7 +2396,7 @@
           <a:p>
             <a:fld id="{B5FF6444-F67B-4A35-AC89-B25B996DE342}" type="datetimeFigureOut">
               <a:rPr lang="de-CH" smtClean="0"/>
-              <a:t>21.05.21</a:t>
+              <a:t>24.05.21</a:t>
             </a:fld>
             <a:endParaRPr lang="de-CH"/>
           </a:p>
@@ -2721,7 +2721,7 @@
           <a:p>
             <a:fld id="{B5FF6444-F67B-4A35-AC89-B25B996DE342}" type="datetimeFigureOut">
               <a:rPr lang="de-CH" smtClean="0"/>
-              <a:t>21.05.21</a:t>
+              <a:t>24.05.21</a:t>
             </a:fld>
             <a:endParaRPr lang="de-CH"/>
           </a:p>
@@ -2975,7 +2975,7 @@
           <a:p>
             <a:fld id="{B5FF6444-F67B-4A35-AC89-B25B996DE342}" type="datetimeFigureOut">
               <a:rPr lang="de-CH" smtClean="0"/>
-              <a:t>21.05.21</a:t>
+              <a:t>24.05.21</a:t>
             </a:fld>
             <a:endParaRPr lang="de-CH"/>
           </a:p>
@@ -3501,12 +3501,8 @@
                 <a:latin typeface="Calibri" panose="020F0502020204030204" pitchFamily="34" charset="0"/>
                 <a:cs typeface="Calibri" panose="020F0502020204030204" pitchFamily="34" charset="0"/>
               </a:rPr>
-              <a:t>The impact of Monetary Policy on the Stock Market in Switzerland </a:t>
-            </a:r>
-            <a:endParaRPr lang="de-CH" sz="3600" dirty="0">
-              <a:latin typeface="Calibri" panose="020F0502020204030204" pitchFamily="34" charset="0"/>
-              <a:cs typeface="Calibri" panose="020F0502020204030204" pitchFamily="34" charset="0"/>
-            </a:endParaRPr>
+              <a:t>Impact of Money Supply and Swiss Average Rate Overnight on the Stock Market in Switzerland </a:t>
+            </a:r>
           </a:p>
         </p:txBody>
       </p:sp>
@@ -5354,8 +5350,8 @@
           </a:p>
         </p:txBody>
       </p:sp>
-      <mc:AlternateContent xmlns:mc="http://schemas.openxmlformats.org/markup-compatibility/2006">
-        <mc:Choice xmlns:a14="http://schemas.microsoft.com/office/drawing/2010/main" Requires="a14">
+      <mc:AlternateContent xmlns:mc="http://schemas.openxmlformats.org/markup-compatibility/2006" xmlns:a14="http://schemas.microsoft.com/office/drawing/2010/main">
+        <mc:Choice Requires="a14">
           <p:sp>
             <p:nvSpPr>
               <p:cNvPr id="8" name="Inhaltsplatzhalter 2">
@@ -5909,7 +5905,7 @@
             </p:txBody>
           </p:sp>
         </mc:Choice>
-        <mc:Fallback>
+        <mc:Fallback xmlns="">
           <p:sp>
             <p:nvSpPr>
               <p:cNvPr id="8" name="Inhaltsplatzhalter 2">
@@ -6686,8 +6682,8 @@
           </a:p>
         </p:txBody>
       </p:sp>
-      <mc:AlternateContent xmlns:mc="http://schemas.openxmlformats.org/markup-compatibility/2006">
-        <mc:Choice xmlns:a14="http://schemas.microsoft.com/office/drawing/2010/main" Requires="a14">
+      <mc:AlternateContent xmlns:mc="http://schemas.openxmlformats.org/markup-compatibility/2006" xmlns:a14="http://schemas.microsoft.com/office/drawing/2010/main">
+        <mc:Choice Requires="a14">
           <p:sp>
             <p:nvSpPr>
               <p:cNvPr id="10" name="Inhaltsplatzhalter 2">
@@ -7050,7 +7046,7 @@
             </p:txBody>
           </p:sp>
         </mc:Choice>
-        <mc:Fallback>
+        <mc:Fallback xmlns="">
           <p:sp>
             <p:nvSpPr>
               <p:cNvPr id="10" name="Inhaltsplatzhalter 2">
